--- a/Week10/W10.02. Simple Selects.pptx
+++ b/Week10/W10.02. Simple Selects.pptx
@@ -245,6 +245,30 @@
       </pc:sldChg>
     </pc:docChg>
   </pc:docChgLst>
+  <pc:docChgLst>
+    <pc:chgData name="Chuck Kiefriter" userId="a996b49251c4dfd2" providerId="LiveId" clId="{9DBDDBB1-A280-4E9B-AD6C-3428C24E6EB2}"/>
+    <pc:docChg chg="modSld">
+      <pc:chgData name="Chuck Kiefriter" userId="a996b49251c4dfd2" providerId="LiveId" clId="{9DBDDBB1-A280-4E9B-AD6C-3428C24E6EB2}" dt="2024-02-21T00:03:08.870" v="0" actId="14100"/>
+      <pc:docMkLst>
+        <pc:docMk/>
+      </pc:docMkLst>
+      <pc:sldChg chg="modSp mod">
+        <pc:chgData name="Chuck Kiefriter" userId="a996b49251c4dfd2" providerId="LiveId" clId="{9DBDDBB1-A280-4E9B-AD6C-3428C24E6EB2}" dt="2024-02-21T00:03:08.870" v="0" actId="14100"/>
+        <pc:sldMkLst>
+          <pc:docMk/>
+          <pc:sldMk cId="604275033" sldId="270"/>
+        </pc:sldMkLst>
+        <pc:spChg chg="mod">
+          <ac:chgData name="Chuck Kiefriter" userId="a996b49251c4dfd2" providerId="LiveId" clId="{9DBDDBB1-A280-4E9B-AD6C-3428C24E6EB2}" dt="2024-02-21T00:03:08.870" v="0" actId="14100"/>
+          <ac:spMkLst>
+            <pc:docMk/>
+            <pc:sldMk cId="604275033" sldId="270"/>
+            <ac:spMk id="6" creationId="{60015F03-34EF-4E4C-882C-D0E25AB81653}"/>
+          </ac:spMkLst>
+        </pc:spChg>
+      </pc:sldChg>
+    </pc:docChg>
+  </pc:docChgLst>
 </pc:chgInfo>
 </file>
 
@@ -330,7 +354,7 @@
           <a:p>
             <a:fld id="{BF1BC3E4-C956-40CB-AFCD-8F927AFF366E}" type="datetimeFigureOut">
               <a:rPr lang="en-US" smtClean="0"/>
-              <a:t>5/8/2023</a:t>
+              <a:t>2/20/2024</a:t>
             </a:fld>
             <a:endParaRPr lang="en-US"/>
           </a:p>
@@ -841,7 +865,7 @@
           <a:p>
             <a:fld id="{548C5E67-172B-4F6A-B3B9-DEF72F952E5B}" type="datetimeFigureOut">
               <a:rPr lang="en-US" smtClean="0"/>
-              <a:t>5/8/2023</a:t>
+              <a:t>2/20/2024</a:t>
             </a:fld>
             <a:endParaRPr lang="en-US"/>
           </a:p>
@@ -1045,7 +1069,7 @@
           <a:p>
             <a:fld id="{548C5E67-172B-4F6A-B3B9-DEF72F952E5B}" type="datetimeFigureOut">
               <a:rPr lang="en-US" smtClean="0"/>
-              <a:t>5/8/2023</a:t>
+              <a:t>2/20/2024</a:t>
             </a:fld>
             <a:endParaRPr lang="en-US"/>
           </a:p>
@@ -1239,7 +1263,7 @@
           <a:p>
             <a:fld id="{548C5E67-172B-4F6A-B3B9-DEF72F952E5B}" type="datetimeFigureOut">
               <a:rPr lang="en-US" smtClean="0"/>
-              <a:t>5/8/2023</a:t>
+              <a:t>2/20/2024</a:t>
             </a:fld>
             <a:endParaRPr lang="en-US"/>
           </a:p>
@@ -2284,7 +2308,7 @@
           <a:p>
             <a:fld id="{548C5E67-172B-4F6A-B3B9-DEF72F952E5B}" type="datetimeFigureOut">
               <a:rPr lang="en-US" smtClean="0"/>
-              <a:t>5/8/2023</a:t>
+              <a:t>2/20/2024</a:t>
             </a:fld>
             <a:endParaRPr lang="en-US"/>
           </a:p>
@@ -2565,7 +2589,7 @@
           <a:p>
             <a:fld id="{548C5E67-172B-4F6A-B3B9-DEF72F952E5B}" type="datetimeFigureOut">
               <a:rPr lang="en-US" smtClean="0"/>
-              <a:t>5/8/2023</a:t>
+              <a:t>2/20/2024</a:t>
             </a:fld>
             <a:endParaRPr lang="en-US"/>
           </a:p>
@@ -5832,7 +5856,7 @@
         <p:spPr>
           <a:xfrm>
             <a:off x="838200" y="1825625"/>
-            <a:ext cx="6388100" cy="4351338"/>
+            <a:ext cx="9951720" cy="4351338"/>
           </a:xfrm>
         </p:spPr>
         <p:txBody>

--- a/Week10/W10.02. Simple Selects.pptx
+++ b/Week10/W10.02. Simple Selects.pptx
@@ -248,10 +248,55 @@
   <pc:docChgLst>
     <pc:chgData name="Chuck Kiefriter" userId="a996b49251c4dfd2" providerId="LiveId" clId="{9DBDDBB1-A280-4E9B-AD6C-3428C24E6EB2}"/>
     <pc:docChg chg="modSld">
-      <pc:chgData name="Chuck Kiefriter" userId="a996b49251c4dfd2" providerId="LiveId" clId="{9DBDDBB1-A280-4E9B-AD6C-3428C24E6EB2}" dt="2024-02-21T00:03:08.870" v="0" actId="14100"/>
+      <pc:chgData name="Chuck Kiefriter" userId="a996b49251c4dfd2" providerId="LiveId" clId="{9DBDDBB1-A280-4E9B-AD6C-3428C24E6EB2}" dt="2024-04-10T22:31:03.850" v="3" actId="14100"/>
       <pc:docMkLst>
         <pc:docMk/>
       </pc:docMkLst>
+      <pc:sldChg chg="modSp mod">
+        <pc:chgData name="Chuck Kiefriter" userId="a996b49251c4dfd2" providerId="LiveId" clId="{9DBDDBB1-A280-4E9B-AD6C-3428C24E6EB2}" dt="2024-04-10T22:30:53.856" v="2" actId="14100"/>
+        <pc:sldMkLst>
+          <pc:docMk/>
+          <pc:sldMk cId="2013084676" sldId="258"/>
+        </pc:sldMkLst>
+        <pc:spChg chg="mod">
+          <ac:chgData name="Chuck Kiefriter" userId="a996b49251c4dfd2" providerId="LiveId" clId="{9DBDDBB1-A280-4E9B-AD6C-3428C24E6EB2}" dt="2024-04-10T22:30:53.856" v="2" actId="14100"/>
+          <ac:spMkLst>
+            <pc:docMk/>
+            <pc:sldMk cId="2013084676" sldId="258"/>
+            <ac:spMk id="3" creationId="{A4BA9F1F-20DB-4727-BCFD-78D3A890453D}"/>
+          </ac:spMkLst>
+        </pc:spChg>
+      </pc:sldChg>
+      <pc:sldChg chg="modSp mod">
+        <pc:chgData name="Chuck Kiefriter" userId="a996b49251c4dfd2" providerId="LiveId" clId="{9DBDDBB1-A280-4E9B-AD6C-3428C24E6EB2}" dt="2024-04-10T22:31:03.850" v="3" actId="14100"/>
+        <pc:sldMkLst>
+          <pc:docMk/>
+          <pc:sldMk cId="1476757412" sldId="259"/>
+        </pc:sldMkLst>
+        <pc:spChg chg="mod">
+          <ac:chgData name="Chuck Kiefriter" userId="a996b49251c4dfd2" providerId="LiveId" clId="{9DBDDBB1-A280-4E9B-AD6C-3428C24E6EB2}" dt="2024-04-10T22:31:03.850" v="3" actId="14100"/>
+          <ac:spMkLst>
+            <pc:docMk/>
+            <pc:sldMk cId="1476757412" sldId="259"/>
+            <ac:spMk id="3" creationId="{A4BA9F1F-20DB-4727-BCFD-78D3A890453D}"/>
+          </ac:spMkLst>
+        </pc:spChg>
+      </pc:sldChg>
+      <pc:sldChg chg="modSp mod">
+        <pc:chgData name="Chuck Kiefriter" userId="a996b49251c4dfd2" providerId="LiveId" clId="{9DBDDBB1-A280-4E9B-AD6C-3428C24E6EB2}" dt="2024-04-10T22:30:32.833" v="1" actId="14100"/>
+        <pc:sldMkLst>
+          <pc:docMk/>
+          <pc:sldMk cId="3033416672" sldId="263"/>
+        </pc:sldMkLst>
+        <pc:spChg chg="mod">
+          <ac:chgData name="Chuck Kiefriter" userId="a996b49251c4dfd2" providerId="LiveId" clId="{9DBDDBB1-A280-4E9B-AD6C-3428C24E6EB2}" dt="2024-04-10T22:30:32.833" v="1" actId="14100"/>
+          <ac:spMkLst>
+            <pc:docMk/>
+            <pc:sldMk cId="3033416672" sldId="263"/>
+            <ac:spMk id="3" creationId="{923B65AB-44E4-430F-950D-ABC928318277}"/>
+          </ac:spMkLst>
+        </pc:spChg>
+      </pc:sldChg>
       <pc:sldChg chg="modSp mod">
         <pc:chgData name="Chuck Kiefriter" userId="a996b49251c4dfd2" providerId="LiveId" clId="{9DBDDBB1-A280-4E9B-AD6C-3428C24E6EB2}" dt="2024-02-21T00:03:08.870" v="0" actId="14100"/>
         <pc:sldMkLst>
@@ -354,7 +399,7 @@
           <a:p>
             <a:fld id="{BF1BC3E4-C956-40CB-AFCD-8F927AFF366E}" type="datetimeFigureOut">
               <a:rPr lang="en-US" smtClean="0"/>
-              <a:t>2/20/2024</a:t>
+              <a:t>4/10/2024</a:t>
             </a:fld>
             <a:endParaRPr lang="en-US"/>
           </a:p>
@@ -865,7 +910,7 @@
           <a:p>
             <a:fld id="{548C5E67-172B-4F6A-B3B9-DEF72F952E5B}" type="datetimeFigureOut">
               <a:rPr lang="en-US" smtClean="0"/>
-              <a:t>2/20/2024</a:t>
+              <a:t>4/10/2024</a:t>
             </a:fld>
             <a:endParaRPr lang="en-US"/>
           </a:p>
@@ -1069,7 +1114,7 @@
           <a:p>
             <a:fld id="{548C5E67-172B-4F6A-B3B9-DEF72F952E5B}" type="datetimeFigureOut">
               <a:rPr lang="en-US" smtClean="0"/>
-              <a:t>2/20/2024</a:t>
+              <a:t>4/10/2024</a:t>
             </a:fld>
             <a:endParaRPr lang="en-US"/>
           </a:p>
@@ -1263,7 +1308,7 @@
           <a:p>
             <a:fld id="{548C5E67-172B-4F6A-B3B9-DEF72F952E5B}" type="datetimeFigureOut">
               <a:rPr lang="en-US" smtClean="0"/>
-              <a:t>2/20/2024</a:t>
+              <a:t>4/10/2024</a:t>
             </a:fld>
             <a:endParaRPr lang="en-US"/>
           </a:p>
@@ -2308,7 +2353,7 @@
           <a:p>
             <a:fld id="{548C5E67-172B-4F6A-B3B9-DEF72F952E5B}" type="datetimeFigureOut">
               <a:rPr lang="en-US" smtClean="0"/>
-              <a:t>2/20/2024</a:t>
+              <a:t>4/10/2024</a:t>
             </a:fld>
             <a:endParaRPr lang="en-US"/>
           </a:p>
@@ -2589,7 +2634,7 @@
           <a:p>
             <a:fld id="{548C5E67-172B-4F6A-B3B9-DEF72F952E5B}" type="datetimeFigureOut">
               <a:rPr lang="en-US" smtClean="0"/>
-              <a:t>2/20/2024</a:t>
+              <a:t>4/10/2024</a:t>
             </a:fld>
             <a:endParaRPr lang="en-US"/>
           </a:p>
@@ -13496,7 +13541,7 @@
         <p:spPr>
           <a:xfrm>
             <a:off x="838200" y="1825625"/>
-            <a:ext cx="6083300" cy="4351338"/>
+            <a:ext cx="11076432" cy="4351338"/>
           </a:xfrm>
         </p:spPr>
         <p:txBody>
@@ -13658,7 +13703,7 @@
         <p:spPr>
           <a:xfrm>
             <a:off x="838200" y="1825625"/>
-            <a:ext cx="7100944" cy="1501775"/>
+            <a:ext cx="9695688" cy="1501775"/>
           </a:xfrm>
         </p:spPr>
         <p:txBody>
@@ -14191,7 +14236,7 @@
         <p:spPr>
           <a:xfrm>
             <a:off x="838200" y="1825625"/>
-            <a:ext cx="7100944" cy="1501775"/>
+            <a:ext cx="10756392" cy="1501775"/>
           </a:xfrm>
         </p:spPr>
         <p:txBody>
